--- a/UmaTeachingMaterial/MongoDB/MongoDB-Uma.pptx
+++ b/UmaTeachingMaterial/MongoDB/MongoDB-Uma.pptx
@@ -346,7 +346,7 @@
           <a:p>
             <a:fld id="{2D1FB5FC-1629-4A0D-9573-785FAC7ED015}" type="datetimeFigureOut">
               <a:rPr lang="en-US" smtClean="0"/>
-              <a:t>2/7/2026</a:t>
+              <a:t>2/27/2026</a:t>
             </a:fld>
             <a:endParaRPr lang="en-US"/>
           </a:p>
@@ -516,7 +516,7 @@
           <a:p>
             <a:fld id="{2D1FB5FC-1629-4A0D-9573-785FAC7ED015}" type="datetimeFigureOut">
               <a:rPr lang="en-US" smtClean="0"/>
-              <a:t>2/7/2026</a:t>
+              <a:t>2/27/2026</a:t>
             </a:fld>
             <a:endParaRPr lang="en-US"/>
           </a:p>
@@ -696,7 +696,7 @@
           <a:p>
             <a:fld id="{2D1FB5FC-1629-4A0D-9573-785FAC7ED015}" type="datetimeFigureOut">
               <a:rPr lang="en-US" smtClean="0"/>
-              <a:t>2/7/2026</a:t>
+              <a:t>2/27/2026</a:t>
             </a:fld>
             <a:endParaRPr lang="en-US"/>
           </a:p>
@@ -866,7 +866,7 @@
           <a:p>
             <a:fld id="{2D1FB5FC-1629-4A0D-9573-785FAC7ED015}" type="datetimeFigureOut">
               <a:rPr lang="en-US" smtClean="0"/>
-              <a:t>2/7/2026</a:t>
+              <a:t>2/27/2026</a:t>
             </a:fld>
             <a:endParaRPr lang="en-US"/>
           </a:p>
@@ -1112,7 +1112,7 @@
           <a:p>
             <a:fld id="{2D1FB5FC-1629-4A0D-9573-785FAC7ED015}" type="datetimeFigureOut">
               <a:rPr lang="en-US" smtClean="0"/>
-              <a:t>2/7/2026</a:t>
+              <a:t>2/27/2026</a:t>
             </a:fld>
             <a:endParaRPr lang="en-US"/>
           </a:p>
@@ -1344,7 +1344,7 @@
           <a:p>
             <a:fld id="{2D1FB5FC-1629-4A0D-9573-785FAC7ED015}" type="datetimeFigureOut">
               <a:rPr lang="en-US" smtClean="0"/>
-              <a:t>2/7/2026</a:t>
+              <a:t>2/27/2026</a:t>
             </a:fld>
             <a:endParaRPr lang="en-US"/>
           </a:p>
@@ -1711,7 +1711,7 @@
           <a:p>
             <a:fld id="{2D1FB5FC-1629-4A0D-9573-785FAC7ED015}" type="datetimeFigureOut">
               <a:rPr lang="en-US" smtClean="0"/>
-              <a:t>2/7/2026</a:t>
+              <a:t>2/27/2026</a:t>
             </a:fld>
             <a:endParaRPr lang="en-US"/>
           </a:p>
@@ -1829,7 +1829,7 @@
           <a:p>
             <a:fld id="{2D1FB5FC-1629-4A0D-9573-785FAC7ED015}" type="datetimeFigureOut">
               <a:rPr lang="en-US" smtClean="0"/>
-              <a:t>2/7/2026</a:t>
+              <a:t>2/27/2026</a:t>
             </a:fld>
             <a:endParaRPr lang="en-US"/>
           </a:p>
@@ -1924,7 +1924,7 @@
           <a:p>
             <a:fld id="{2D1FB5FC-1629-4A0D-9573-785FAC7ED015}" type="datetimeFigureOut">
               <a:rPr lang="en-US" smtClean="0"/>
-              <a:t>2/7/2026</a:t>
+              <a:t>2/27/2026</a:t>
             </a:fld>
             <a:endParaRPr lang="en-US"/>
           </a:p>
@@ -2201,7 +2201,7 @@
           <a:p>
             <a:fld id="{2D1FB5FC-1629-4A0D-9573-785FAC7ED015}" type="datetimeFigureOut">
               <a:rPr lang="en-US" smtClean="0"/>
-              <a:t>2/7/2026</a:t>
+              <a:t>2/27/2026</a:t>
             </a:fld>
             <a:endParaRPr lang="en-US"/>
           </a:p>
@@ -2458,7 +2458,7 @@
           <a:p>
             <a:fld id="{2D1FB5FC-1629-4A0D-9573-785FAC7ED015}" type="datetimeFigureOut">
               <a:rPr lang="en-US" smtClean="0"/>
-              <a:t>2/7/2026</a:t>
+              <a:t>2/27/2026</a:t>
             </a:fld>
             <a:endParaRPr lang="en-US"/>
           </a:p>
@@ -2671,7 +2671,7 @@
           <a:p>
             <a:fld id="{2D1FB5FC-1629-4A0D-9573-785FAC7ED015}" type="datetimeFigureOut">
               <a:rPr lang="en-US" smtClean="0"/>
-              <a:t>2/7/2026</a:t>
+              <a:t>2/27/2026</a:t>
             </a:fld>
             <a:endParaRPr lang="en-US"/>
           </a:p>
